--- a/파이썬 과제/파이썬 9강 과제 남정현.pptx
+++ b/파이썬 과제/파이썬 9강 과제 남정현.pptx
@@ -7,6 +7,13 @@
   <p:sldIdLst>
     <p:sldId id="256" r:id="rId2"/>
     <p:sldId id="269" r:id="rId3"/>
+    <p:sldId id="270" r:id="rId4"/>
+    <p:sldId id="271" r:id="rId5"/>
+    <p:sldId id="272" r:id="rId6"/>
+    <p:sldId id="273" r:id="rId7"/>
+    <p:sldId id="274" r:id="rId8"/>
+    <p:sldId id="275" r:id="rId9"/>
+    <p:sldId id="276" r:id="rId10"/>
   </p:sldIdLst>
   <p:sldSz cx="12192000" cy="6858000"/>
   <p:notesSz cx="6858000" cy="9144000"/>
@@ -105,7 +112,461 @@
       </a:defRPr>
     </a:lvl9pPr>
   </p:defaultTextStyle>
+  <p:extLst>
+    <p:ext uri="{EFAFB233-063F-42B5-8137-9DF3F51BA10A}">
+      <p15:sldGuideLst xmlns:p15="http://schemas.microsoft.com/office/powerpoint/2012/main"/>
+    </p:ext>
+  </p:extLst>
 </p:presentation>
+</file>
+
+<file path=ppt/revisionInfo.xml><?xml version="1.0" encoding="utf-8"?>
+<p1510:revInfo xmlns:a="http://schemas.openxmlformats.org/drawingml/2006/main" xmlns:r="http://schemas.openxmlformats.org/officeDocument/2006/relationships" xmlns:p1510="http://schemas.microsoft.com/office/powerpoint/2015/10/main">
+  <p1510:revLst>
+    <p1510:client id="{23A3E546-DE4F-4540-A51E-22DAFE090EFB}" v="26" dt="2023-05-01T06:26:19.725"/>
+  </p1510:revLst>
+</p1510:revInfo>
+</file>
+
+<file path=ppt/changesInfos/changesInfo1.xml><?xml version="1.0" encoding="utf-8"?>
+<pc:chgInfo xmlns:a="http://schemas.openxmlformats.org/drawingml/2006/main" xmlns:r="http://schemas.openxmlformats.org/officeDocument/2006/relationships" xmlns:ac="http://schemas.microsoft.com/office/drawing/2013/main/command" xmlns:pc="http://schemas.microsoft.com/office/powerpoint/2013/main/command">
+  <pc:docChgLst>
+    <pc:chgData name="남 정현" userId="42c87c46deb7f138" providerId="LiveId" clId="{23A3E546-DE4F-4540-A51E-22DAFE090EFB}"/>
+    <pc:docChg chg="custSel addSld delSld modSld">
+      <pc:chgData name="남 정현" userId="42c87c46deb7f138" providerId="LiveId" clId="{23A3E546-DE4F-4540-A51E-22DAFE090EFB}" dt="2023-05-01T08:06:32.771" v="201" actId="22"/>
+      <pc:docMkLst>
+        <pc:docMk/>
+      </pc:docMkLst>
+      <pc:sldChg chg="addSp modSp mod">
+        <pc:chgData name="남 정현" userId="42c87c46deb7f138" providerId="LiveId" clId="{23A3E546-DE4F-4540-A51E-22DAFE090EFB}" dt="2023-05-01T06:13:19.027" v="22" actId="1076"/>
+        <pc:sldMkLst>
+          <pc:docMk/>
+          <pc:sldMk cId="911957777" sldId="269"/>
+        </pc:sldMkLst>
+        <pc:picChg chg="add mod">
+          <ac:chgData name="남 정현" userId="42c87c46deb7f138" providerId="LiveId" clId="{23A3E546-DE4F-4540-A51E-22DAFE090EFB}" dt="2023-05-01T06:13:19.027" v="22" actId="1076"/>
+          <ac:picMkLst>
+            <pc:docMk/>
+            <pc:sldMk cId="911957777" sldId="269"/>
+            <ac:picMk id="4" creationId="{D3A997B6-A950-1E9D-589D-2943E02F5068}"/>
+          </ac:picMkLst>
+        </pc:picChg>
+        <pc:picChg chg="mod">
+          <ac:chgData name="남 정현" userId="42c87c46deb7f138" providerId="LiveId" clId="{23A3E546-DE4F-4540-A51E-22DAFE090EFB}" dt="2023-05-01T06:12:42.709" v="10" actId="1076"/>
+          <ac:picMkLst>
+            <pc:docMk/>
+            <pc:sldMk cId="911957777" sldId="269"/>
+            <ac:picMk id="7" creationId="{BB85ABA8-53F6-04BA-6DAE-B95E2DDA3FF6}"/>
+          </ac:picMkLst>
+        </pc:picChg>
+        <pc:picChg chg="mod">
+          <ac:chgData name="남 정현" userId="42c87c46deb7f138" providerId="LiveId" clId="{23A3E546-DE4F-4540-A51E-22DAFE090EFB}" dt="2023-05-01T06:13:16.563" v="21" actId="1076"/>
+          <ac:picMkLst>
+            <pc:docMk/>
+            <pc:sldMk cId="911957777" sldId="269"/>
+            <ac:picMk id="10" creationId="{7551849D-9A8F-0753-4750-17DD6387368C}"/>
+          </ac:picMkLst>
+        </pc:picChg>
+      </pc:sldChg>
+      <pc:sldChg chg="addSp delSp modSp add mod">
+        <pc:chgData name="남 정현" userId="42c87c46deb7f138" providerId="LiveId" clId="{23A3E546-DE4F-4540-A51E-22DAFE090EFB}" dt="2023-05-01T06:41:17.895" v="83" actId="20577"/>
+        <pc:sldMkLst>
+          <pc:docMk/>
+          <pc:sldMk cId="3027874694" sldId="270"/>
+        </pc:sldMkLst>
+        <pc:spChg chg="mod">
+          <ac:chgData name="남 정현" userId="42c87c46deb7f138" providerId="LiveId" clId="{23A3E546-DE4F-4540-A51E-22DAFE090EFB}" dt="2023-05-01T06:41:17.895" v="83" actId="20577"/>
+          <ac:spMkLst>
+            <pc:docMk/>
+            <pc:sldMk cId="3027874694" sldId="270"/>
+            <ac:spMk id="2" creationId="{C6D12A3E-5C44-35C0-57FE-2485E32526B5}"/>
+          </ac:spMkLst>
+        </pc:spChg>
+        <pc:picChg chg="del">
+          <ac:chgData name="남 정현" userId="42c87c46deb7f138" providerId="LiveId" clId="{23A3E546-DE4F-4540-A51E-22DAFE090EFB}" dt="2023-05-01T06:12:55.842" v="14" actId="21"/>
+          <ac:picMkLst>
+            <pc:docMk/>
+            <pc:sldMk cId="3027874694" sldId="270"/>
+            <ac:picMk id="4" creationId="{D3A997B6-A950-1E9D-589D-2943E02F5068}"/>
+          </ac:picMkLst>
+        </pc:picChg>
+        <pc:picChg chg="add mod">
+          <ac:chgData name="남 정현" userId="42c87c46deb7f138" providerId="LiveId" clId="{23A3E546-DE4F-4540-A51E-22DAFE090EFB}" dt="2023-05-01T06:16:56.513" v="24" actId="1076"/>
+          <ac:picMkLst>
+            <pc:docMk/>
+            <pc:sldMk cId="3027874694" sldId="270"/>
+            <ac:picMk id="5" creationId="{20E608C1-BCEE-7CBC-E25C-8E0D18AD7DAE}"/>
+          </ac:picMkLst>
+        </pc:picChg>
+        <pc:picChg chg="del">
+          <ac:chgData name="남 정현" userId="42c87c46deb7f138" providerId="LiveId" clId="{23A3E546-DE4F-4540-A51E-22DAFE090EFB}" dt="2023-05-01T06:12:57.248" v="16" actId="21"/>
+          <ac:picMkLst>
+            <pc:docMk/>
+            <pc:sldMk cId="3027874694" sldId="270"/>
+            <ac:picMk id="7" creationId="{BB85ABA8-53F6-04BA-6DAE-B95E2DDA3FF6}"/>
+          </ac:picMkLst>
+        </pc:picChg>
+        <pc:picChg chg="add mod">
+          <ac:chgData name="남 정현" userId="42c87c46deb7f138" providerId="LiveId" clId="{23A3E546-DE4F-4540-A51E-22DAFE090EFB}" dt="2023-05-01T06:25:52.595" v="32" actId="1076"/>
+          <ac:picMkLst>
+            <pc:docMk/>
+            <pc:sldMk cId="3027874694" sldId="270"/>
+            <ac:picMk id="8" creationId="{E46FE0B3-9DDE-64E7-93B8-3B3F2742362C}"/>
+          </ac:picMkLst>
+        </pc:picChg>
+        <pc:picChg chg="del">
+          <ac:chgData name="남 정현" userId="42c87c46deb7f138" providerId="LiveId" clId="{23A3E546-DE4F-4540-A51E-22DAFE090EFB}" dt="2023-05-01T06:12:56.639" v="15" actId="21"/>
+          <ac:picMkLst>
+            <pc:docMk/>
+            <pc:sldMk cId="3027874694" sldId="270"/>
+            <ac:picMk id="10" creationId="{7551849D-9A8F-0753-4750-17DD6387368C}"/>
+          </ac:picMkLst>
+        </pc:picChg>
+        <pc:picChg chg="add del">
+          <ac:chgData name="남 정현" userId="42c87c46deb7f138" providerId="LiveId" clId="{23A3E546-DE4F-4540-A51E-22DAFE090EFB}" dt="2023-05-01T06:25:40.928" v="29" actId="21"/>
+          <ac:picMkLst>
+            <pc:docMk/>
+            <pc:sldMk cId="3027874694" sldId="270"/>
+            <ac:picMk id="11" creationId="{80ACAE7B-6220-AC96-D763-FA87490DE3E7}"/>
+          </ac:picMkLst>
+        </pc:picChg>
+      </pc:sldChg>
+      <pc:sldChg chg="addSp delSp modSp add mod">
+        <pc:chgData name="남 정현" userId="42c87c46deb7f138" providerId="LiveId" clId="{23A3E546-DE4F-4540-A51E-22DAFE090EFB}" dt="2023-05-01T06:41:23.848" v="87" actId="20577"/>
+        <pc:sldMkLst>
+          <pc:docMk/>
+          <pc:sldMk cId="3850323905" sldId="271"/>
+        </pc:sldMkLst>
+        <pc:spChg chg="mod">
+          <ac:chgData name="남 정현" userId="42c87c46deb7f138" providerId="LiveId" clId="{23A3E546-DE4F-4540-A51E-22DAFE090EFB}" dt="2023-05-01T06:41:23.848" v="87" actId="20577"/>
+          <ac:spMkLst>
+            <pc:docMk/>
+            <pc:sldMk cId="3850323905" sldId="271"/>
+            <ac:spMk id="2" creationId="{C6D12A3E-5C44-35C0-57FE-2485E32526B5}"/>
+          </ac:spMkLst>
+        </pc:spChg>
+        <pc:picChg chg="add del mod">
+          <ac:chgData name="남 정현" userId="42c87c46deb7f138" providerId="LiveId" clId="{23A3E546-DE4F-4540-A51E-22DAFE090EFB}" dt="2023-05-01T06:26:05.910" v="34"/>
+          <ac:picMkLst>
+            <pc:docMk/>
+            <pc:sldMk cId="3850323905" sldId="271"/>
+            <ac:picMk id="3" creationId="{98C5F95F-8933-D8AA-7E40-ECC45AD80495}"/>
+          </ac:picMkLst>
+        </pc:picChg>
+        <pc:picChg chg="del">
+          <ac:chgData name="남 정현" userId="42c87c46deb7f138" providerId="LiveId" clId="{23A3E546-DE4F-4540-A51E-22DAFE090EFB}" dt="2023-05-01T06:25:47.157" v="31" actId="21"/>
+          <ac:picMkLst>
+            <pc:docMk/>
+            <pc:sldMk cId="3850323905" sldId="271"/>
+            <ac:picMk id="5" creationId="{20E608C1-BCEE-7CBC-E25C-8E0D18AD7DAE}"/>
+          </ac:picMkLst>
+        </pc:picChg>
+        <pc:picChg chg="del">
+          <ac:chgData name="남 정현" userId="42c87c46deb7f138" providerId="LiveId" clId="{23A3E546-DE4F-4540-A51E-22DAFE090EFB}" dt="2023-05-01T06:25:45.088" v="30" actId="21"/>
+          <ac:picMkLst>
+            <pc:docMk/>
+            <pc:sldMk cId="3850323905" sldId="271"/>
+            <ac:picMk id="8" creationId="{E46FE0B3-9DDE-64E7-93B8-3B3F2742362C}"/>
+          </ac:picMkLst>
+        </pc:picChg>
+      </pc:sldChg>
+      <pc:sldChg chg="addSp delSp modSp add mod">
+        <pc:chgData name="남 정현" userId="42c87c46deb7f138" providerId="LiveId" clId="{23A3E546-DE4F-4540-A51E-22DAFE090EFB}" dt="2023-05-01T06:59:17.592" v="123" actId="1076"/>
+        <pc:sldMkLst>
+          <pc:docMk/>
+          <pc:sldMk cId="2282367447" sldId="272"/>
+        </pc:sldMkLst>
+        <pc:spChg chg="mod">
+          <ac:chgData name="남 정현" userId="42c87c46deb7f138" providerId="LiveId" clId="{23A3E546-DE4F-4540-A51E-22DAFE090EFB}" dt="2023-05-01T06:53:14.261" v="121" actId="20577"/>
+          <ac:spMkLst>
+            <pc:docMk/>
+            <pc:sldMk cId="2282367447" sldId="272"/>
+            <ac:spMk id="2" creationId="{C6D12A3E-5C44-35C0-57FE-2485E32526B5}"/>
+          </ac:spMkLst>
+        </pc:spChg>
+        <pc:picChg chg="add mod">
+          <ac:chgData name="남 정현" userId="42c87c46deb7f138" providerId="LiveId" clId="{23A3E546-DE4F-4540-A51E-22DAFE090EFB}" dt="2023-05-01T06:33:40.490" v="59" actId="1076"/>
+          <ac:picMkLst>
+            <pc:docMk/>
+            <pc:sldMk cId="2282367447" sldId="272"/>
+            <ac:picMk id="4" creationId="{BBB369C2-65B4-654B-208F-512A4ACCB253}"/>
+          </ac:picMkLst>
+        </pc:picChg>
+        <pc:picChg chg="add mod">
+          <ac:chgData name="남 정현" userId="42c87c46deb7f138" providerId="LiveId" clId="{23A3E546-DE4F-4540-A51E-22DAFE090EFB}" dt="2023-05-01T06:36:54.654" v="62" actId="1076"/>
+          <ac:picMkLst>
+            <pc:docMk/>
+            <pc:sldMk cId="2282367447" sldId="272"/>
+            <ac:picMk id="6" creationId="{F4F0CB47-604C-7704-16DA-5711C9EAD5B3}"/>
+          </ac:picMkLst>
+        </pc:picChg>
+        <pc:picChg chg="add mod">
+          <ac:chgData name="남 정현" userId="42c87c46deb7f138" providerId="LiveId" clId="{23A3E546-DE4F-4540-A51E-22DAFE090EFB}" dt="2023-05-01T06:52:16.258" v="107" actId="1076"/>
+          <ac:picMkLst>
+            <pc:docMk/>
+            <pc:sldMk cId="2282367447" sldId="272"/>
+            <ac:picMk id="8" creationId="{06CB3957-64D2-0449-B912-063C4553D02E}"/>
+          </ac:picMkLst>
+        </pc:picChg>
+        <pc:picChg chg="add mod">
+          <ac:chgData name="남 정현" userId="42c87c46deb7f138" providerId="LiveId" clId="{23A3E546-DE4F-4540-A51E-22DAFE090EFB}" dt="2023-05-01T06:59:17.592" v="123" actId="1076"/>
+          <ac:picMkLst>
+            <pc:docMk/>
+            <pc:sldMk cId="2282367447" sldId="272"/>
+            <ac:picMk id="10" creationId="{3A38021F-EA7E-5F12-97BC-5B3647435F0D}"/>
+          </ac:picMkLst>
+        </pc:picChg>
+        <pc:picChg chg="del">
+          <ac:chgData name="남 정현" userId="42c87c46deb7f138" providerId="LiveId" clId="{23A3E546-DE4F-4540-A51E-22DAFE090EFB}" dt="2023-05-01T06:26:10.078" v="36" actId="21"/>
+          <ac:picMkLst>
+            <pc:docMk/>
+            <pc:sldMk cId="2282367447" sldId="272"/>
+            <ac:picMk id="11" creationId="{80ACAE7B-6220-AC96-D763-FA87490DE3E7}"/>
+          </ac:picMkLst>
+        </pc:picChg>
+      </pc:sldChg>
+      <pc:sldChg chg="addSp modSp add mod">
+        <pc:chgData name="남 정현" userId="42c87c46deb7f138" providerId="LiveId" clId="{23A3E546-DE4F-4540-A51E-22DAFE090EFB}" dt="2023-05-01T07:22:36.526" v="141" actId="1076"/>
+        <pc:sldMkLst>
+          <pc:docMk/>
+          <pc:sldMk cId="4106152866" sldId="273"/>
+        </pc:sldMkLst>
+        <pc:spChg chg="mod">
+          <ac:chgData name="남 정현" userId="42c87c46deb7f138" providerId="LiveId" clId="{23A3E546-DE4F-4540-A51E-22DAFE090EFB}" dt="2023-05-01T06:59:32.905" v="135" actId="20577"/>
+          <ac:spMkLst>
+            <pc:docMk/>
+            <pc:sldMk cId="4106152866" sldId="273"/>
+            <ac:spMk id="2" creationId="{C6D12A3E-5C44-35C0-57FE-2485E32526B5}"/>
+          </ac:spMkLst>
+        </pc:spChg>
+        <pc:picChg chg="add mod">
+          <ac:chgData name="남 정현" userId="42c87c46deb7f138" providerId="LiveId" clId="{23A3E546-DE4F-4540-A51E-22DAFE090EFB}" dt="2023-05-01T07:04:27.201" v="137" actId="1076"/>
+          <ac:picMkLst>
+            <pc:docMk/>
+            <pc:sldMk cId="4106152866" sldId="273"/>
+            <ac:picMk id="4" creationId="{7B191A17-C518-38F9-A532-3C9934E21E35}"/>
+          </ac:picMkLst>
+        </pc:picChg>
+        <pc:picChg chg="add mod">
+          <ac:chgData name="남 정현" userId="42c87c46deb7f138" providerId="LiveId" clId="{23A3E546-DE4F-4540-A51E-22DAFE090EFB}" dt="2023-05-01T07:13:19.966" v="139" actId="1076"/>
+          <ac:picMkLst>
+            <pc:docMk/>
+            <pc:sldMk cId="4106152866" sldId="273"/>
+            <ac:picMk id="6" creationId="{F7615EF3-5B90-D769-7F93-7E34A1DD9F49}"/>
+          </ac:picMkLst>
+        </pc:picChg>
+        <pc:picChg chg="add mod">
+          <ac:chgData name="남 정현" userId="42c87c46deb7f138" providerId="LiveId" clId="{23A3E546-DE4F-4540-A51E-22DAFE090EFB}" dt="2023-05-01T07:22:36.526" v="141" actId="1076"/>
+          <ac:picMkLst>
+            <pc:docMk/>
+            <pc:sldMk cId="4106152866" sldId="273"/>
+            <ac:picMk id="8" creationId="{0B606D5B-CE70-0FFD-B574-006DA132CBEB}"/>
+          </ac:picMkLst>
+        </pc:picChg>
+      </pc:sldChg>
+      <pc:sldChg chg="addSp modSp add mod">
+        <pc:chgData name="남 정현" userId="42c87c46deb7f138" providerId="LiveId" clId="{23A3E546-DE4F-4540-A51E-22DAFE090EFB}" dt="2023-05-01T07:36:16.540" v="150" actId="1076"/>
+        <pc:sldMkLst>
+          <pc:docMk/>
+          <pc:sldMk cId="887630402" sldId="274"/>
+        </pc:sldMkLst>
+        <pc:spChg chg="mod">
+          <ac:chgData name="남 정현" userId="42c87c46deb7f138" providerId="LiveId" clId="{23A3E546-DE4F-4540-A51E-22DAFE090EFB}" dt="2023-05-01T07:22:43.306" v="142"/>
+          <ac:spMkLst>
+            <pc:docMk/>
+            <pc:sldMk cId="887630402" sldId="274"/>
+            <ac:spMk id="2" creationId="{C6D12A3E-5C44-35C0-57FE-2485E32526B5}"/>
+          </ac:spMkLst>
+        </pc:spChg>
+        <pc:picChg chg="add mod">
+          <ac:chgData name="남 정현" userId="42c87c46deb7f138" providerId="LiveId" clId="{23A3E546-DE4F-4540-A51E-22DAFE090EFB}" dt="2023-05-01T07:24:50.094" v="144" actId="1076"/>
+          <ac:picMkLst>
+            <pc:docMk/>
+            <pc:sldMk cId="887630402" sldId="274"/>
+            <ac:picMk id="4" creationId="{10D6A032-A577-6FF5-7A08-343D9FBEFC9C}"/>
+          </ac:picMkLst>
+        </pc:picChg>
+        <pc:picChg chg="add mod">
+          <ac:chgData name="남 정현" userId="42c87c46deb7f138" providerId="LiveId" clId="{23A3E546-DE4F-4540-A51E-22DAFE090EFB}" dt="2023-05-01T07:25:26.729" v="146" actId="1076"/>
+          <ac:picMkLst>
+            <pc:docMk/>
+            <pc:sldMk cId="887630402" sldId="274"/>
+            <ac:picMk id="6" creationId="{23CF6001-01B5-1485-56CA-70B1C2E914C8}"/>
+          </ac:picMkLst>
+        </pc:picChg>
+        <pc:picChg chg="add mod">
+          <ac:chgData name="남 정현" userId="42c87c46deb7f138" providerId="LiveId" clId="{23A3E546-DE4F-4540-A51E-22DAFE090EFB}" dt="2023-05-01T07:33:24.685" v="148" actId="1076"/>
+          <ac:picMkLst>
+            <pc:docMk/>
+            <pc:sldMk cId="887630402" sldId="274"/>
+            <ac:picMk id="8" creationId="{C4187B66-F26E-BED7-D367-527A31C6E9DD}"/>
+          </ac:picMkLst>
+        </pc:picChg>
+        <pc:picChg chg="add mod">
+          <ac:chgData name="남 정현" userId="42c87c46deb7f138" providerId="LiveId" clId="{23A3E546-DE4F-4540-A51E-22DAFE090EFB}" dt="2023-05-01T07:36:16.540" v="150" actId="1076"/>
+          <ac:picMkLst>
+            <pc:docMk/>
+            <pc:sldMk cId="887630402" sldId="274"/>
+            <ac:picMk id="10" creationId="{0DB155C3-54DF-09ED-C8FE-4C9F976B6FA5}"/>
+          </ac:picMkLst>
+        </pc:picChg>
+      </pc:sldChg>
+      <pc:sldChg chg="addSp modSp add mod">
+        <pc:chgData name="남 정현" userId="42c87c46deb7f138" providerId="LiveId" clId="{23A3E546-DE4F-4540-A51E-22DAFE090EFB}" dt="2023-05-01T07:52:04.052" v="186" actId="1076"/>
+        <pc:sldMkLst>
+          <pc:docMk/>
+          <pc:sldMk cId="2838373328" sldId="275"/>
+        </pc:sldMkLst>
+        <pc:spChg chg="mod">
+          <ac:chgData name="남 정현" userId="42c87c46deb7f138" providerId="LiveId" clId="{23A3E546-DE4F-4540-A51E-22DAFE090EFB}" dt="2023-05-01T07:44:16.594" v="182" actId="20577"/>
+          <ac:spMkLst>
+            <pc:docMk/>
+            <pc:sldMk cId="2838373328" sldId="275"/>
+            <ac:spMk id="2" creationId="{C6D12A3E-5C44-35C0-57FE-2485E32526B5}"/>
+          </ac:spMkLst>
+        </pc:spChg>
+        <pc:picChg chg="add mod">
+          <ac:chgData name="남 정현" userId="42c87c46deb7f138" providerId="LiveId" clId="{23A3E546-DE4F-4540-A51E-22DAFE090EFB}" dt="2023-05-01T07:38:13.377" v="164" actId="1076"/>
+          <ac:picMkLst>
+            <pc:docMk/>
+            <pc:sldMk cId="2838373328" sldId="275"/>
+            <ac:picMk id="4" creationId="{88A00BE8-D7F9-D3F4-431E-64754300069F}"/>
+          </ac:picMkLst>
+        </pc:picChg>
+        <pc:picChg chg="add mod">
+          <ac:chgData name="남 정현" userId="42c87c46deb7f138" providerId="LiveId" clId="{23A3E546-DE4F-4540-A51E-22DAFE090EFB}" dt="2023-05-01T07:43:59.014" v="167" actId="1076"/>
+          <ac:picMkLst>
+            <pc:docMk/>
+            <pc:sldMk cId="2838373328" sldId="275"/>
+            <ac:picMk id="6" creationId="{31F21266-CF8E-E254-28E2-011CB00B9600}"/>
+          </ac:picMkLst>
+        </pc:picChg>
+        <pc:picChg chg="add mod">
+          <ac:chgData name="남 정현" userId="42c87c46deb7f138" providerId="LiveId" clId="{23A3E546-DE4F-4540-A51E-22DAFE090EFB}" dt="2023-05-01T07:52:04.052" v="186" actId="1076"/>
+          <ac:picMkLst>
+            <pc:docMk/>
+            <pc:sldMk cId="2838373328" sldId="275"/>
+            <ac:picMk id="8" creationId="{898B6054-4B34-4124-D586-8ECF2606F16A}"/>
+          </ac:picMkLst>
+        </pc:picChg>
+      </pc:sldChg>
+      <pc:sldChg chg="addSp modSp add mod">
+        <pc:chgData name="남 정현" userId="42c87c46deb7f138" providerId="LiveId" clId="{23A3E546-DE4F-4540-A51E-22DAFE090EFB}" dt="2023-05-01T08:06:32.771" v="201" actId="22"/>
+        <pc:sldMkLst>
+          <pc:docMk/>
+          <pc:sldMk cId="1790414804" sldId="276"/>
+        </pc:sldMkLst>
+        <pc:spChg chg="mod">
+          <ac:chgData name="남 정현" userId="42c87c46deb7f138" providerId="LiveId" clId="{23A3E546-DE4F-4540-A51E-22DAFE090EFB}" dt="2023-05-01T07:52:21.131" v="199" actId="20577"/>
+          <ac:spMkLst>
+            <pc:docMk/>
+            <pc:sldMk cId="1790414804" sldId="276"/>
+            <ac:spMk id="2" creationId="{C6D12A3E-5C44-35C0-57FE-2485E32526B5}"/>
+          </ac:spMkLst>
+        </pc:spChg>
+        <pc:picChg chg="add">
+          <ac:chgData name="남 정현" userId="42c87c46deb7f138" providerId="LiveId" clId="{23A3E546-DE4F-4540-A51E-22DAFE090EFB}" dt="2023-05-01T08:06:32.771" v="201" actId="22"/>
+          <ac:picMkLst>
+            <pc:docMk/>
+            <pc:sldMk cId="1790414804" sldId="276"/>
+            <ac:picMk id="4" creationId="{897CE25B-FE4B-CF9E-FE2A-6D601BAC55A9}"/>
+          </ac:picMkLst>
+        </pc:picChg>
+      </pc:sldChg>
+      <pc:sldChg chg="add del">
+        <pc:chgData name="남 정현" userId="42c87c46deb7f138" providerId="LiveId" clId="{23A3E546-DE4F-4540-A51E-22DAFE090EFB}" dt="2023-05-01T07:52:35.687" v="200" actId="2696"/>
+        <pc:sldMkLst>
+          <pc:docMk/>
+          <pc:sldMk cId="2076023438" sldId="277"/>
+        </pc:sldMkLst>
+      </pc:sldChg>
+      <pc:sldChg chg="add del">
+        <pc:chgData name="남 정현" userId="42c87c46deb7f138" providerId="LiveId" clId="{23A3E546-DE4F-4540-A51E-22DAFE090EFB}" dt="2023-05-01T07:52:35.687" v="200" actId="2696"/>
+        <pc:sldMkLst>
+          <pc:docMk/>
+          <pc:sldMk cId="3874698451" sldId="278"/>
+        </pc:sldMkLst>
+      </pc:sldChg>
+      <pc:sldChg chg="add del">
+        <pc:chgData name="남 정현" userId="42c87c46deb7f138" providerId="LiveId" clId="{23A3E546-DE4F-4540-A51E-22DAFE090EFB}" dt="2023-05-01T07:52:35.687" v="200" actId="2696"/>
+        <pc:sldMkLst>
+          <pc:docMk/>
+          <pc:sldMk cId="1718627369" sldId="279"/>
+        </pc:sldMkLst>
+      </pc:sldChg>
+      <pc:sldChg chg="add del">
+        <pc:chgData name="남 정현" userId="42c87c46deb7f138" providerId="LiveId" clId="{23A3E546-DE4F-4540-A51E-22DAFE090EFB}" dt="2023-05-01T07:52:35.687" v="200" actId="2696"/>
+        <pc:sldMkLst>
+          <pc:docMk/>
+          <pc:sldMk cId="3232788319" sldId="280"/>
+        </pc:sldMkLst>
+      </pc:sldChg>
+      <pc:sldChg chg="add del">
+        <pc:chgData name="남 정현" userId="42c87c46deb7f138" providerId="LiveId" clId="{23A3E546-DE4F-4540-A51E-22DAFE090EFB}" dt="2023-05-01T07:52:35.687" v="200" actId="2696"/>
+        <pc:sldMkLst>
+          <pc:docMk/>
+          <pc:sldMk cId="1360547025" sldId="281"/>
+        </pc:sldMkLst>
+      </pc:sldChg>
+      <pc:sldChg chg="add del">
+        <pc:chgData name="남 정현" userId="42c87c46deb7f138" providerId="LiveId" clId="{23A3E546-DE4F-4540-A51E-22DAFE090EFB}" dt="2023-05-01T06:26:16.932" v="52"/>
+        <pc:sldMkLst>
+          <pc:docMk/>
+          <pc:sldMk cId="3875080080" sldId="281"/>
+        </pc:sldMkLst>
+      </pc:sldChg>
+      <pc:sldChg chg="add del">
+        <pc:chgData name="남 정현" userId="42c87c46deb7f138" providerId="LiveId" clId="{23A3E546-DE4F-4540-A51E-22DAFE090EFB}" dt="2023-05-01T07:52:35.687" v="200" actId="2696"/>
+        <pc:sldMkLst>
+          <pc:docMk/>
+          <pc:sldMk cId="29702934" sldId="282"/>
+        </pc:sldMkLst>
+      </pc:sldChg>
+      <pc:sldChg chg="add del">
+        <pc:chgData name="남 정현" userId="42c87c46deb7f138" providerId="LiveId" clId="{23A3E546-DE4F-4540-A51E-22DAFE090EFB}" dt="2023-05-01T06:26:16.768" v="51"/>
+        <pc:sldMkLst>
+          <pc:docMk/>
+          <pc:sldMk cId="2513330664" sldId="282"/>
+        </pc:sldMkLst>
+      </pc:sldChg>
+      <pc:sldChg chg="add del">
+        <pc:chgData name="남 정현" userId="42c87c46deb7f138" providerId="LiveId" clId="{23A3E546-DE4F-4540-A51E-22DAFE090EFB}" dt="2023-05-01T06:26:16.612" v="50"/>
+        <pc:sldMkLst>
+          <pc:docMk/>
+          <pc:sldMk cId="668412670" sldId="283"/>
+        </pc:sldMkLst>
+      </pc:sldChg>
+      <pc:sldChg chg="add del">
+        <pc:chgData name="남 정현" userId="42c87c46deb7f138" providerId="LiveId" clId="{23A3E546-DE4F-4540-A51E-22DAFE090EFB}" dt="2023-05-01T07:52:35.687" v="200" actId="2696"/>
+        <pc:sldMkLst>
+          <pc:docMk/>
+          <pc:sldMk cId="1287658881" sldId="283"/>
+        </pc:sldMkLst>
+      </pc:sldChg>
+      <pc:sldChg chg="add del">
+        <pc:chgData name="남 정현" userId="42c87c46deb7f138" providerId="LiveId" clId="{23A3E546-DE4F-4540-A51E-22DAFE090EFB}" dt="2023-05-01T06:26:16.420" v="49"/>
+        <pc:sldMkLst>
+          <pc:docMk/>
+          <pc:sldMk cId="2116554510" sldId="284"/>
+        </pc:sldMkLst>
+      </pc:sldChg>
+      <pc:sldChg chg="add del">
+        <pc:chgData name="남 정현" userId="42c87c46deb7f138" providerId="LiveId" clId="{23A3E546-DE4F-4540-A51E-22DAFE090EFB}" dt="2023-05-01T07:52:35.687" v="200" actId="2696"/>
+        <pc:sldMkLst>
+          <pc:docMk/>
+          <pc:sldMk cId="2187357878" sldId="284"/>
+        </pc:sldMkLst>
+      </pc:sldChg>
+      <pc:sldChg chg="add del">
+        <pc:chgData name="남 정현" userId="42c87c46deb7f138" providerId="LiveId" clId="{23A3E546-DE4F-4540-A51E-22DAFE090EFB}" dt="2023-05-01T07:52:35.687" v="200" actId="2696"/>
+        <pc:sldMkLst>
+          <pc:docMk/>
+          <pc:sldMk cId="189409155" sldId="285"/>
+        </pc:sldMkLst>
+      </pc:sldChg>
+    </pc:docChg>
+  </pc:docChgLst>
+</pc:chgInfo>
 </file>
 
 <file path=ppt/slideLayouts/slideLayout1.xml><?xml version="1.0" encoding="utf-8"?>
@@ -278,7 +739,7 @@
             <a:fld id="{87DE6118-2437-4B30-8E3C-4D2BE6020583}" type="datetimeFigureOut">
               <a:rPr lang="en-US" dirty="0"/>
               <a:pPr/>
-              <a:t>4/28/2023</a:t>
+              <a:t>5/1/2023</a:t>
             </a:fld>
             <a:endParaRPr lang="en-US" dirty="0"/>
           </a:p>
@@ -604,7 +1065,7 @@
           <a:p>
             <a:fld id="{87DE6118-2437-4B30-8E3C-4D2BE6020583}" type="datetimeFigureOut">
               <a:rPr lang="en-US" dirty="0"/>
-              <a:t>4/28/2023</a:t>
+              <a:t>5/1/2023</a:t>
             </a:fld>
             <a:endParaRPr lang="en-US" dirty="0"/>
           </a:p>
@@ -779,7 +1240,7 @@
           <a:p>
             <a:fld id="{87DE6118-2437-4B30-8E3C-4D2BE6020583}" type="datetimeFigureOut">
               <a:rPr lang="en-US" dirty="0"/>
-              <a:t>4/28/2023</a:t>
+              <a:t>5/1/2023</a:t>
             </a:fld>
             <a:endParaRPr lang="en-US" dirty="0"/>
           </a:p>
@@ -944,7 +1405,7 @@
           <a:p>
             <a:fld id="{87DE6118-2437-4B30-8E3C-4D2BE6020583}" type="datetimeFigureOut">
               <a:rPr lang="en-US" dirty="0"/>
-              <a:t>4/28/2023</a:t>
+              <a:t>5/1/2023</a:t>
             </a:fld>
             <a:endParaRPr lang="en-US" dirty="0"/>
           </a:p>
@@ -1217,7 +1678,7 @@
             <a:fld id="{87DE6118-2437-4B30-8E3C-4D2BE6020583}" type="datetimeFigureOut">
               <a:rPr lang="en-US" dirty="0"/>
               <a:pPr/>
-              <a:t>4/28/2023</a:t>
+              <a:t>5/1/2023</a:t>
             </a:fld>
             <a:endParaRPr lang="en-US" dirty="0"/>
           </a:p>
@@ -1607,7 +2068,7 @@
           <a:p>
             <a:fld id="{87DE6118-2437-4B30-8E3C-4D2BE6020583}" type="datetimeFigureOut">
               <a:rPr lang="en-US" dirty="0"/>
-              <a:t>4/28/2023</a:t>
+              <a:t>5/1/2023</a:t>
             </a:fld>
             <a:endParaRPr lang="en-US" dirty="0"/>
           </a:p>
@@ -2079,7 +2540,7 @@
           <a:p>
             <a:fld id="{87DE6118-2437-4B30-8E3C-4D2BE6020583}" type="datetimeFigureOut">
               <a:rPr lang="en-US" dirty="0"/>
-              <a:t>4/28/2023</a:t>
+              <a:t>5/1/2023</a:t>
             </a:fld>
             <a:endParaRPr lang="en-US" dirty="0"/>
           </a:p>
@@ -2192,7 +2653,7 @@
           <a:p>
             <a:fld id="{87DE6118-2437-4B30-8E3C-4D2BE6020583}" type="datetimeFigureOut">
               <a:rPr lang="en-US" dirty="0"/>
-              <a:t>4/28/2023</a:t>
+              <a:t>5/1/2023</a:t>
             </a:fld>
             <a:endParaRPr lang="en-US" dirty="0"/>
           </a:p>
@@ -2282,7 +2743,7 @@
           <a:p>
             <a:fld id="{87DE6118-2437-4B30-8E3C-4D2BE6020583}" type="datetimeFigureOut">
               <a:rPr lang="en-US" dirty="0"/>
-              <a:t>4/28/2023</a:t>
+              <a:t>5/1/2023</a:t>
             </a:fld>
             <a:endParaRPr lang="en-US" dirty="0"/>
           </a:p>
@@ -2624,7 +3085,7 @@
             <a:fld id="{87DE6118-2437-4B30-8E3C-4D2BE6020583}" type="datetimeFigureOut">
               <a:rPr lang="en-US" dirty="0"/>
               <a:pPr/>
-              <a:t>4/28/2023</a:t>
+              <a:t>5/1/2023</a:t>
             </a:fld>
             <a:endParaRPr lang="en-US" dirty="0"/>
           </a:p>
@@ -3009,7 +3470,7 @@
             <a:fld id="{87DE6118-2437-4B30-8E3C-4D2BE6020583}" type="datetimeFigureOut">
               <a:rPr lang="en-US" dirty="0"/>
               <a:pPr/>
-              <a:t>4/28/2023</a:t>
+              <a:t>5/1/2023</a:t>
             </a:fld>
             <a:endParaRPr lang="en-US" dirty="0"/>
           </a:p>
@@ -3284,7 +3745,7 @@
             <a:fld id="{87DE6118-2437-4B30-8E3C-4D2BE6020583}" type="datetimeFigureOut">
               <a:rPr lang="en-US" dirty="0"/>
               <a:pPr/>
-              <a:t>4/28/2023</a:t>
+              <a:t>5/1/2023</a:t>
             </a:fld>
             <a:endParaRPr lang="en-US" dirty="0"/>
           </a:p>
@@ -3954,8 +4415,38 @@
         </p:blipFill>
         <p:spPr>
           <a:xfrm>
-            <a:off x="2912258" y="2182173"/>
+            <a:off x="2912258" y="1908931"/>
             <a:ext cx="6367484" cy="1762810"/>
+          </a:xfrm>
+          <a:prstGeom prst="rect">
+            <a:avLst/>
+          </a:prstGeom>
+        </p:spPr>
+      </p:pic>
+      <p:pic>
+        <p:nvPicPr>
+          <p:cNvPr id="4" name="그림 3">
+            <a:extLst>
+              <a:ext uri="{FF2B5EF4-FFF2-40B4-BE49-F238E27FC236}">
+                <a16:creationId xmlns:a16="http://schemas.microsoft.com/office/drawing/2014/main" id="{D3A997B6-A950-1E9D-589D-2943E02F5068}"/>
+              </a:ext>
+            </a:extLst>
+          </p:cNvPr>
+          <p:cNvPicPr>
+            <a:picLocks noChangeAspect="1"/>
+          </p:cNvPicPr>
+          <p:nvPr/>
+        </p:nvPicPr>
+        <p:blipFill>
+          <a:blip r:embed="rId4"/>
+          <a:stretch>
+            <a:fillRect/>
+          </a:stretch>
+        </p:blipFill>
+        <p:spPr>
+          <a:xfrm>
+            <a:off x="3201905" y="3869439"/>
+            <a:ext cx="5788190" cy="2988561"/>
           </a:xfrm>
           <a:prstGeom prst="rect">
             <a:avLst/>
@@ -3966,6 +4457,1033 @@
     <p:extLst>
       <p:ext uri="{BB962C8B-B14F-4D97-AF65-F5344CB8AC3E}">
         <p14:creationId xmlns:p14="http://schemas.microsoft.com/office/powerpoint/2010/main" val="911957777"/>
+      </p:ext>
+    </p:extLst>
+  </p:cSld>
+  <p:clrMapOvr>
+    <a:masterClrMapping/>
+  </p:clrMapOvr>
+</p:sld>
+</file>
+
+<file path=ppt/slides/slide3.xml><?xml version="1.0" encoding="utf-8"?>
+<p:sld xmlns:a="http://schemas.openxmlformats.org/drawingml/2006/main" xmlns:r="http://schemas.openxmlformats.org/officeDocument/2006/relationships" xmlns:p="http://schemas.openxmlformats.org/presentationml/2006/main">
+  <p:cSld>
+    <p:spTree>
+      <p:nvGrpSpPr>
+        <p:cNvPr id="1" name=""/>
+        <p:cNvGrpSpPr/>
+        <p:nvPr/>
+      </p:nvGrpSpPr>
+      <p:grpSpPr>
+        <a:xfrm>
+          <a:off x="0" y="0"/>
+          <a:ext cx="0" cy="0"/>
+          <a:chOff x="0" y="0"/>
+          <a:chExt cx="0" cy="0"/>
+        </a:xfrm>
+      </p:grpSpPr>
+      <p:sp>
+        <p:nvSpPr>
+          <p:cNvPr id="2" name="제목 1">
+            <a:extLst>
+              <a:ext uri="{FF2B5EF4-FFF2-40B4-BE49-F238E27FC236}">
+                <a16:creationId xmlns:a16="http://schemas.microsoft.com/office/drawing/2014/main" id="{C6D12A3E-5C44-35C0-57FE-2485E32526B5}"/>
+              </a:ext>
+            </a:extLst>
+          </p:cNvPr>
+          <p:cNvSpPr>
+            <a:spLocks noGrp="1"/>
+          </p:cNvSpPr>
+          <p:nvPr>
+            <p:ph type="title"/>
+          </p:nvPr>
+        </p:nvSpPr>
+        <p:spPr>
+          <a:xfrm>
+            <a:off x="698938" y="0"/>
+            <a:ext cx="9601200" cy="346841"/>
+          </a:xfrm>
+        </p:spPr>
+        <p:txBody>
+          <a:bodyPr>
+            <a:normAutofit/>
+          </a:bodyPr>
+          <a:lstStyle/>
+          <a:p>
+            <a:r>
+              <a:rPr lang="ko-KR" altLang="en-US" sz="1800" dirty="0" err="1"/>
+              <a:t>딕셔너리의</a:t>
+            </a:r>
+            <a:r>
+              <a:rPr lang="ko-KR" altLang="en-US" sz="1800" dirty="0"/>
+              <a:t> 정의</a:t>
+            </a:r>
+            <a:r>
+              <a:rPr lang="en-US" altLang="ko-KR" sz="1800" dirty="0"/>
+              <a:t>,</a:t>
+            </a:r>
+            <a:r>
+              <a:rPr lang="ko-KR" altLang="en-US" sz="1800" dirty="0"/>
+              <a:t>예제</a:t>
+            </a:r>
+          </a:p>
+        </p:txBody>
+      </p:sp>
+      <p:pic>
+        <p:nvPicPr>
+          <p:cNvPr id="5" name="그림 4">
+            <a:extLst>
+              <a:ext uri="{FF2B5EF4-FFF2-40B4-BE49-F238E27FC236}">
+                <a16:creationId xmlns:a16="http://schemas.microsoft.com/office/drawing/2014/main" id="{20E608C1-BCEE-7CBC-E25C-8E0D18AD7DAE}"/>
+              </a:ext>
+            </a:extLst>
+          </p:cNvPr>
+          <p:cNvPicPr>
+            <a:picLocks noChangeAspect="1"/>
+          </p:cNvPicPr>
+          <p:nvPr/>
+        </p:nvPicPr>
+        <p:blipFill>
+          <a:blip r:embed="rId2"/>
+          <a:stretch>
+            <a:fillRect/>
+          </a:stretch>
+        </p:blipFill>
+        <p:spPr>
+          <a:xfrm>
+            <a:off x="698938" y="485736"/>
+            <a:ext cx="6712295" cy="1492327"/>
+          </a:xfrm>
+          <a:prstGeom prst="rect">
+            <a:avLst/>
+          </a:prstGeom>
+        </p:spPr>
+      </p:pic>
+      <p:pic>
+        <p:nvPicPr>
+          <p:cNvPr id="8" name="그림 7">
+            <a:extLst>
+              <a:ext uri="{FF2B5EF4-FFF2-40B4-BE49-F238E27FC236}">
+                <a16:creationId xmlns:a16="http://schemas.microsoft.com/office/drawing/2014/main" id="{E46FE0B3-9DDE-64E7-93B8-3B3F2742362C}"/>
+              </a:ext>
+            </a:extLst>
+          </p:cNvPr>
+          <p:cNvPicPr>
+            <a:picLocks noChangeAspect="1"/>
+          </p:cNvPicPr>
+          <p:nvPr/>
+        </p:nvPicPr>
+        <p:blipFill>
+          <a:blip r:embed="rId3"/>
+          <a:stretch>
+            <a:fillRect/>
+          </a:stretch>
+        </p:blipFill>
+        <p:spPr>
+          <a:xfrm>
+            <a:off x="698938" y="3429000"/>
+            <a:ext cx="7683895" cy="2375022"/>
+          </a:xfrm>
+          <a:prstGeom prst="rect">
+            <a:avLst/>
+          </a:prstGeom>
+        </p:spPr>
+      </p:pic>
+    </p:spTree>
+    <p:extLst>
+      <p:ext uri="{BB962C8B-B14F-4D97-AF65-F5344CB8AC3E}">
+        <p14:creationId xmlns:p14="http://schemas.microsoft.com/office/powerpoint/2010/main" val="3027874694"/>
+      </p:ext>
+    </p:extLst>
+  </p:cSld>
+  <p:clrMapOvr>
+    <a:masterClrMapping/>
+  </p:clrMapOvr>
+</p:sld>
+</file>
+
+<file path=ppt/slides/slide4.xml><?xml version="1.0" encoding="utf-8"?>
+<p:sld xmlns:a="http://schemas.openxmlformats.org/drawingml/2006/main" xmlns:r="http://schemas.openxmlformats.org/officeDocument/2006/relationships" xmlns:p="http://schemas.openxmlformats.org/presentationml/2006/main">
+  <p:cSld>
+    <p:spTree>
+      <p:nvGrpSpPr>
+        <p:cNvPr id="1" name=""/>
+        <p:cNvGrpSpPr/>
+        <p:nvPr/>
+      </p:nvGrpSpPr>
+      <p:grpSpPr>
+        <a:xfrm>
+          <a:off x="0" y="0"/>
+          <a:ext cx="0" cy="0"/>
+          <a:chOff x="0" y="0"/>
+          <a:chExt cx="0" cy="0"/>
+        </a:xfrm>
+      </p:grpSpPr>
+      <p:sp>
+        <p:nvSpPr>
+          <p:cNvPr id="2" name="제목 1">
+            <a:extLst>
+              <a:ext uri="{FF2B5EF4-FFF2-40B4-BE49-F238E27FC236}">
+                <a16:creationId xmlns:a16="http://schemas.microsoft.com/office/drawing/2014/main" id="{C6D12A3E-5C44-35C0-57FE-2485E32526B5}"/>
+              </a:ext>
+            </a:extLst>
+          </p:cNvPr>
+          <p:cNvSpPr>
+            <a:spLocks noGrp="1"/>
+          </p:cNvSpPr>
+          <p:nvPr>
+            <p:ph type="title"/>
+          </p:nvPr>
+        </p:nvSpPr>
+        <p:spPr>
+          <a:xfrm>
+            <a:off x="698938" y="0"/>
+            <a:ext cx="9601200" cy="346841"/>
+          </a:xfrm>
+        </p:spPr>
+        <p:txBody>
+          <a:bodyPr>
+            <a:normAutofit/>
+          </a:bodyPr>
+          <a:lstStyle/>
+          <a:p>
+            <a:r>
+              <a:rPr lang="ko-KR" altLang="en-US" sz="1800" dirty="0" err="1"/>
+              <a:t>딕셔너리의</a:t>
+            </a:r>
+            <a:r>
+              <a:rPr lang="ko-KR" altLang="en-US" sz="1800" dirty="0"/>
+              <a:t> 예제</a:t>
+            </a:r>
+          </a:p>
+        </p:txBody>
+      </p:sp>
+      <p:pic>
+        <p:nvPicPr>
+          <p:cNvPr id="11" name="그림 10">
+            <a:extLst>
+              <a:ext uri="{FF2B5EF4-FFF2-40B4-BE49-F238E27FC236}">
+                <a16:creationId xmlns:a16="http://schemas.microsoft.com/office/drawing/2014/main" id="{80ACAE7B-6220-AC96-D763-FA87490DE3E7}"/>
+              </a:ext>
+            </a:extLst>
+          </p:cNvPr>
+          <p:cNvPicPr>
+            <a:picLocks noChangeAspect="1"/>
+          </p:cNvPicPr>
+          <p:nvPr/>
+        </p:nvPicPr>
+        <p:blipFill>
+          <a:blip r:embed="rId2"/>
+          <a:stretch>
+            <a:fillRect/>
+          </a:stretch>
+        </p:blipFill>
+        <p:spPr>
+          <a:xfrm>
+            <a:off x="2174673" y="1377844"/>
+            <a:ext cx="7842653" cy="4102311"/>
+          </a:xfrm>
+          <a:prstGeom prst="rect">
+            <a:avLst/>
+          </a:prstGeom>
+        </p:spPr>
+      </p:pic>
+    </p:spTree>
+    <p:extLst>
+      <p:ext uri="{BB962C8B-B14F-4D97-AF65-F5344CB8AC3E}">
+        <p14:creationId xmlns:p14="http://schemas.microsoft.com/office/powerpoint/2010/main" val="3850323905"/>
+      </p:ext>
+    </p:extLst>
+  </p:cSld>
+  <p:clrMapOvr>
+    <a:masterClrMapping/>
+  </p:clrMapOvr>
+</p:sld>
+</file>
+
+<file path=ppt/slides/slide5.xml><?xml version="1.0" encoding="utf-8"?>
+<p:sld xmlns:a="http://schemas.openxmlformats.org/drawingml/2006/main" xmlns:r="http://schemas.openxmlformats.org/officeDocument/2006/relationships" xmlns:p="http://schemas.openxmlformats.org/presentationml/2006/main">
+  <p:cSld>
+    <p:spTree>
+      <p:nvGrpSpPr>
+        <p:cNvPr id="1" name=""/>
+        <p:cNvGrpSpPr/>
+        <p:nvPr/>
+      </p:nvGrpSpPr>
+      <p:grpSpPr>
+        <a:xfrm>
+          <a:off x="0" y="0"/>
+          <a:ext cx="0" cy="0"/>
+          <a:chOff x="0" y="0"/>
+          <a:chExt cx="0" cy="0"/>
+        </a:xfrm>
+      </p:grpSpPr>
+      <p:sp>
+        <p:nvSpPr>
+          <p:cNvPr id="2" name="제목 1">
+            <a:extLst>
+              <a:ext uri="{FF2B5EF4-FFF2-40B4-BE49-F238E27FC236}">
+                <a16:creationId xmlns:a16="http://schemas.microsoft.com/office/drawing/2014/main" id="{C6D12A3E-5C44-35C0-57FE-2485E32526B5}"/>
+              </a:ext>
+            </a:extLst>
+          </p:cNvPr>
+          <p:cNvSpPr>
+            <a:spLocks noGrp="1"/>
+          </p:cNvSpPr>
+          <p:nvPr>
+            <p:ph type="title"/>
+          </p:nvPr>
+        </p:nvSpPr>
+        <p:spPr>
+          <a:xfrm>
+            <a:off x="698938" y="0"/>
+            <a:ext cx="9601200" cy="346841"/>
+          </a:xfrm>
+        </p:spPr>
+        <p:txBody>
+          <a:bodyPr>
+            <a:normAutofit/>
+          </a:bodyPr>
+          <a:lstStyle/>
+          <a:p>
+            <a:r>
+              <a:rPr lang="ko-KR" altLang="en-US" sz="1800" dirty="0"/>
+              <a:t>집합의 정의</a:t>
+            </a:r>
+            <a:r>
+              <a:rPr lang="en-US" altLang="ko-KR" sz="1800" dirty="0"/>
+              <a:t>, </a:t>
+            </a:r>
+            <a:r>
+              <a:rPr lang="ko-KR" altLang="en-US" sz="1800" dirty="0"/>
+              <a:t>연산</a:t>
+            </a:r>
+            <a:r>
+              <a:rPr lang="en-US" altLang="ko-KR" sz="1800" dirty="0"/>
+              <a:t>, </a:t>
+            </a:r>
+            <a:r>
+              <a:rPr lang="ko-KR" altLang="en-US" sz="1800" dirty="0"/>
+              <a:t>컬렉션</a:t>
+            </a:r>
+          </a:p>
+        </p:txBody>
+      </p:sp>
+      <p:pic>
+        <p:nvPicPr>
+          <p:cNvPr id="4" name="그림 3">
+            <a:extLst>
+              <a:ext uri="{FF2B5EF4-FFF2-40B4-BE49-F238E27FC236}">
+                <a16:creationId xmlns:a16="http://schemas.microsoft.com/office/drawing/2014/main" id="{BBB369C2-65B4-654B-208F-512A4ACCB253}"/>
+              </a:ext>
+            </a:extLst>
+          </p:cNvPr>
+          <p:cNvPicPr>
+            <a:picLocks noChangeAspect="1"/>
+          </p:cNvPicPr>
+          <p:nvPr/>
+        </p:nvPicPr>
+        <p:blipFill>
+          <a:blip r:embed="rId2"/>
+          <a:stretch>
+            <a:fillRect/>
+          </a:stretch>
+        </p:blipFill>
+        <p:spPr>
+          <a:xfrm>
+            <a:off x="698938" y="346841"/>
+            <a:ext cx="6413830" cy="2432175"/>
+          </a:xfrm>
+          <a:prstGeom prst="rect">
+            <a:avLst/>
+          </a:prstGeom>
+        </p:spPr>
+      </p:pic>
+      <p:pic>
+        <p:nvPicPr>
+          <p:cNvPr id="6" name="그림 5">
+            <a:extLst>
+              <a:ext uri="{FF2B5EF4-FFF2-40B4-BE49-F238E27FC236}">
+                <a16:creationId xmlns:a16="http://schemas.microsoft.com/office/drawing/2014/main" id="{F4F0CB47-604C-7704-16DA-5711C9EAD5B3}"/>
+              </a:ext>
+            </a:extLst>
+          </p:cNvPr>
+          <p:cNvPicPr>
+            <a:picLocks noChangeAspect="1"/>
+          </p:cNvPicPr>
+          <p:nvPr/>
+        </p:nvPicPr>
+        <p:blipFill>
+          <a:blip r:embed="rId3"/>
+          <a:stretch>
+            <a:fillRect/>
+          </a:stretch>
+        </p:blipFill>
+        <p:spPr>
+          <a:xfrm>
+            <a:off x="8807393" y="346841"/>
+            <a:ext cx="2197213" cy="2603634"/>
+          </a:xfrm>
+          <a:prstGeom prst="rect">
+            <a:avLst/>
+          </a:prstGeom>
+        </p:spPr>
+      </p:pic>
+      <p:pic>
+        <p:nvPicPr>
+          <p:cNvPr id="8" name="그림 7">
+            <a:extLst>
+              <a:ext uri="{FF2B5EF4-FFF2-40B4-BE49-F238E27FC236}">
+                <a16:creationId xmlns:a16="http://schemas.microsoft.com/office/drawing/2014/main" id="{06CB3957-64D2-0449-B912-063C4553D02E}"/>
+              </a:ext>
+            </a:extLst>
+          </p:cNvPr>
+          <p:cNvPicPr>
+            <a:picLocks noChangeAspect="1"/>
+          </p:cNvPicPr>
+          <p:nvPr/>
+        </p:nvPicPr>
+        <p:blipFill>
+          <a:blip r:embed="rId4"/>
+          <a:stretch>
+            <a:fillRect/>
+          </a:stretch>
+        </p:blipFill>
+        <p:spPr>
+          <a:xfrm>
+            <a:off x="698938" y="3429000"/>
+            <a:ext cx="3416476" cy="2438525"/>
+          </a:xfrm>
+          <a:prstGeom prst="rect">
+            <a:avLst/>
+          </a:prstGeom>
+        </p:spPr>
+      </p:pic>
+      <p:pic>
+        <p:nvPicPr>
+          <p:cNvPr id="10" name="그림 9">
+            <a:extLst>
+              <a:ext uri="{FF2B5EF4-FFF2-40B4-BE49-F238E27FC236}">
+                <a16:creationId xmlns:a16="http://schemas.microsoft.com/office/drawing/2014/main" id="{3A38021F-EA7E-5F12-97BC-5B3647435F0D}"/>
+              </a:ext>
+            </a:extLst>
+          </p:cNvPr>
+          <p:cNvPicPr>
+            <a:picLocks noChangeAspect="1"/>
+          </p:cNvPicPr>
+          <p:nvPr/>
+        </p:nvPicPr>
+        <p:blipFill>
+          <a:blip r:embed="rId5"/>
+          <a:stretch>
+            <a:fillRect/>
+          </a:stretch>
+        </p:blipFill>
+        <p:spPr>
+          <a:xfrm>
+            <a:off x="6279963" y="3749691"/>
+            <a:ext cx="4724643" cy="1797142"/>
+          </a:xfrm>
+          <a:prstGeom prst="rect">
+            <a:avLst/>
+          </a:prstGeom>
+        </p:spPr>
+      </p:pic>
+    </p:spTree>
+    <p:extLst>
+      <p:ext uri="{BB962C8B-B14F-4D97-AF65-F5344CB8AC3E}">
+        <p14:creationId xmlns:p14="http://schemas.microsoft.com/office/powerpoint/2010/main" val="2282367447"/>
+      </p:ext>
+    </p:extLst>
+  </p:cSld>
+  <p:clrMapOvr>
+    <a:masterClrMapping/>
+  </p:clrMapOvr>
+</p:sld>
+</file>
+
+<file path=ppt/slides/slide6.xml><?xml version="1.0" encoding="utf-8"?>
+<p:sld xmlns:a="http://schemas.openxmlformats.org/drawingml/2006/main" xmlns:r="http://schemas.openxmlformats.org/officeDocument/2006/relationships" xmlns:p="http://schemas.openxmlformats.org/presentationml/2006/main">
+  <p:cSld>
+    <p:spTree>
+      <p:nvGrpSpPr>
+        <p:cNvPr id="1" name=""/>
+        <p:cNvGrpSpPr/>
+        <p:nvPr/>
+      </p:nvGrpSpPr>
+      <p:grpSpPr>
+        <a:xfrm>
+          <a:off x="0" y="0"/>
+          <a:ext cx="0" cy="0"/>
+          <a:chOff x="0" y="0"/>
+          <a:chExt cx="0" cy="0"/>
+        </a:xfrm>
+      </p:grpSpPr>
+      <p:sp>
+        <p:nvSpPr>
+          <p:cNvPr id="2" name="제목 1">
+            <a:extLst>
+              <a:ext uri="{FF2B5EF4-FFF2-40B4-BE49-F238E27FC236}">
+                <a16:creationId xmlns:a16="http://schemas.microsoft.com/office/drawing/2014/main" id="{C6D12A3E-5C44-35C0-57FE-2485E32526B5}"/>
+              </a:ext>
+            </a:extLst>
+          </p:cNvPr>
+          <p:cNvSpPr>
+            <a:spLocks noGrp="1"/>
+          </p:cNvSpPr>
+          <p:nvPr>
+            <p:ph type="title"/>
+          </p:nvPr>
+        </p:nvSpPr>
+        <p:spPr>
+          <a:xfrm>
+            <a:off x="698938" y="0"/>
+            <a:ext cx="9601200" cy="346841"/>
+          </a:xfrm>
+        </p:spPr>
+        <p:txBody>
+          <a:bodyPr>
+            <a:normAutofit/>
+          </a:bodyPr>
+          <a:lstStyle/>
+          <a:p>
+            <a:r>
+              <a:rPr lang="ko-KR" altLang="en-US" sz="1800" dirty="0"/>
+              <a:t>컬렉션</a:t>
+            </a:r>
+          </a:p>
+        </p:txBody>
+      </p:sp>
+      <p:pic>
+        <p:nvPicPr>
+          <p:cNvPr id="4" name="그림 3">
+            <a:extLst>
+              <a:ext uri="{FF2B5EF4-FFF2-40B4-BE49-F238E27FC236}">
+                <a16:creationId xmlns:a16="http://schemas.microsoft.com/office/drawing/2014/main" id="{7B191A17-C518-38F9-A532-3C9934E21E35}"/>
+              </a:ext>
+            </a:extLst>
+          </p:cNvPr>
+          <p:cNvPicPr>
+            <a:picLocks noChangeAspect="1"/>
+          </p:cNvPicPr>
+          <p:nvPr/>
+        </p:nvPicPr>
+        <p:blipFill>
+          <a:blip r:embed="rId2"/>
+          <a:stretch>
+            <a:fillRect/>
+          </a:stretch>
+        </p:blipFill>
+        <p:spPr>
+          <a:xfrm>
+            <a:off x="698938" y="346841"/>
+            <a:ext cx="4248368" cy="2406774"/>
+          </a:xfrm>
+          <a:prstGeom prst="rect">
+            <a:avLst/>
+          </a:prstGeom>
+        </p:spPr>
+      </p:pic>
+      <p:pic>
+        <p:nvPicPr>
+          <p:cNvPr id="6" name="그림 5">
+            <a:extLst>
+              <a:ext uri="{FF2B5EF4-FFF2-40B4-BE49-F238E27FC236}">
+                <a16:creationId xmlns:a16="http://schemas.microsoft.com/office/drawing/2014/main" id="{F7615EF3-5B90-D769-7F93-7E34A1DD9F49}"/>
+              </a:ext>
+            </a:extLst>
+          </p:cNvPr>
+          <p:cNvPicPr>
+            <a:picLocks noChangeAspect="1"/>
+          </p:cNvPicPr>
+          <p:nvPr/>
+        </p:nvPicPr>
+        <p:blipFill>
+          <a:blip r:embed="rId3"/>
+          <a:stretch>
+            <a:fillRect/>
+          </a:stretch>
+        </p:blipFill>
+        <p:spPr>
+          <a:xfrm>
+            <a:off x="7753122" y="346841"/>
+            <a:ext cx="4438878" cy="3600635"/>
+          </a:xfrm>
+          <a:prstGeom prst="rect">
+            <a:avLst/>
+          </a:prstGeom>
+        </p:spPr>
+      </p:pic>
+      <p:pic>
+        <p:nvPicPr>
+          <p:cNvPr id="8" name="그림 7">
+            <a:extLst>
+              <a:ext uri="{FF2B5EF4-FFF2-40B4-BE49-F238E27FC236}">
+                <a16:creationId xmlns:a16="http://schemas.microsoft.com/office/drawing/2014/main" id="{0B606D5B-CE70-0FFD-B574-006DA132CBEB}"/>
+              </a:ext>
+            </a:extLst>
+          </p:cNvPr>
+          <p:cNvPicPr>
+            <a:picLocks noChangeAspect="1"/>
+          </p:cNvPicPr>
+          <p:nvPr/>
+        </p:nvPicPr>
+        <p:blipFill>
+          <a:blip r:embed="rId4"/>
+          <a:stretch>
+            <a:fillRect/>
+          </a:stretch>
+        </p:blipFill>
+        <p:spPr>
+          <a:xfrm>
+            <a:off x="698938" y="3429000"/>
+            <a:ext cx="5239019" cy="2121009"/>
+          </a:xfrm>
+          <a:prstGeom prst="rect">
+            <a:avLst/>
+          </a:prstGeom>
+        </p:spPr>
+      </p:pic>
+    </p:spTree>
+    <p:extLst>
+      <p:ext uri="{BB962C8B-B14F-4D97-AF65-F5344CB8AC3E}">
+        <p14:creationId xmlns:p14="http://schemas.microsoft.com/office/powerpoint/2010/main" val="4106152866"/>
+      </p:ext>
+    </p:extLst>
+  </p:cSld>
+  <p:clrMapOvr>
+    <a:masterClrMapping/>
+  </p:clrMapOvr>
+</p:sld>
+</file>
+
+<file path=ppt/slides/slide7.xml><?xml version="1.0" encoding="utf-8"?>
+<p:sld xmlns:a="http://schemas.openxmlformats.org/drawingml/2006/main" xmlns:r="http://schemas.openxmlformats.org/officeDocument/2006/relationships" xmlns:p="http://schemas.openxmlformats.org/presentationml/2006/main">
+  <p:cSld>
+    <p:spTree>
+      <p:nvGrpSpPr>
+        <p:cNvPr id="1" name=""/>
+        <p:cNvGrpSpPr/>
+        <p:nvPr/>
+      </p:nvGrpSpPr>
+      <p:grpSpPr>
+        <a:xfrm>
+          <a:off x="0" y="0"/>
+          <a:ext cx="0" cy="0"/>
+          <a:chOff x="0" y="0"/>
+          <a:chExt cx="0" cy="0"/>
+        </a:xfrm>
+      </p:grpSpPr>
+      <p:sp>
+        <p:nvSpPr>
+          <p:cNvPr id="2" name="제목 1">
+            <a:extLst>
+              <a:ext uri="{FF2B5EF4-FFF2-40B4-BE49-F238E27FC236}">
+                <a16:creationId xmlns:a16="http://schemas.microsoft.com/office/drawing/2014/main" id="{C6D12A3E-5C44-35C0-57FE-2485E32526B5}"/>
+              </a:ext>
+            </a:extLst>
+          </p:cNvPr>
+          <p:cNvSpPr>
+            <a:spLocks noGrp="1"/>
+          </p:cNvSpPr>
+          <p:nvPr>
+            <p:ph type="title"/>
+          </p:nvPr>
+        </p:nvSpPr>
+        <p:spPr>
+          <a:xfrm>
+            <a:off x="698938" y="0"/>
+            <a:ext cx="9601200" cy="346841"/>
+          </a:xfrm>
+        </p:spPr>
+        <p:txBody>
+          <a:bodyPr>
+            <a:normAutofit/>
+          </a:bodyPr>
+          <a:lstStyle/>
+          <a:p>
+            <a:r>
+              <a:rPr lang="ko-KR" altLang="en-US" sz="1800" dirty="0"/>
+              <a:t>컬렉션</a:t>
+            </a:r>
+          </a:p>
+        </p:txBody>
+      </p:sp>
+      <p:pic>
+        <p:nvPicPr>
+          <p:cNvPr id="4" name="그림 3">
+            <a:extLst>
+              <a:ext uri="{FF2B5EF4-FFF2-40B4-BE49-F238E27FC236}">
+                <a16:creationId xmlns:a16="http://schemas.microsoft.com/office/drawing/2014/main" id="{10D6A032-A577-6FF5-7A08-343D9FBEFC9C}"/>
+              </a:ext>
+            </a:extLst>
+          </p:cNvPr>
+          <p:cNvPicPr>
+            <a:picLocks noChangeAspect="1"/>
+          </p:cNvPicPr>
+          <p:nvPr/>
+        </p:nvPicPr>
+        <p:blipFill>
+          <a:blip r:embed="rId2"/>
+          <a:stretch>
+            <a:fillRect/>
+          </a:stretch>
+        </p:blipFill>
+        <p:spPr>
+          <a:xfrm>
+            <a:off x="698938" y="346841"/>
+            <a:ext cx="5226319" cy="3403775"/>
+          </a:xfrm>
+          <a:prstGeom prst="rect">
+            <a:avLst/>
+          </a:prstGeom>
+        </p:spPr>
+      </p:pic>
+      <p:pic>
+        <p:nvPicPr>
+          <p:cNvPr id="6" name="그림 5">
+            <a:extLst>
+              <a:ext uri="{FF2B5EF4-FFF2-40B4-BE49-F238E27FC236}">
+                <a16:creationId xmlns:a16="http://schemas.microsoft.com/office/drawing/2014/main" id="{23CF6001-01B5-1485-56CA-70B1C2E914C8}"/>
+              </a:ext>
+            </a:extLst>
+          </p:cNvPr>
+          <p:cNvPicPr>
+            <a:picLocks noChangeAspect="1"/>
+          </p:cNvPicPr>
+          <p:nvPr/>
+        </p:nvPicPr>
+        <p:blipFill>
+          <a:blip r:embed="rId3"/>
+          <a:stretch>
+            <a:fillRect/>
+          </a:stretch>
+        </p:blipFill>
+        <p:spPr>
+          <a:xfrm>
+            <a:off x="6851376" y="346841"/>
+            <a:ext cx="5340624" cy="2794144"/>
+          </a:xfrm>
+          <a:prstGeom prst="rect">
+            <a:avLst/>
+          </a:prstGeom>
+        </p:spPr>
+      </p:pic>
+      <p:pic>
+        <p:nvPicPr>
+          <p:cNvPr id="8" name="그림 7">
+            <a:extLst>
+              <a:ext uri="{FF2B5EF4-FFF2-40B4-BE49-F238E27FC236}">
+                <a16:creationId xmlns:a16="http://schemas.microsoft.com/office/drawing/2014/main" id="{C4187B66-F26E-BED7-D367-527A31C6E9DD}"/>
+              </a:ext>
+            </a:extLst>
+          </p:cNvPr>
+          <p:cNvPicPr>
+            <a:picLocks noChangeAspect="1"/>
+          </p:cNvPicPr>
+          <p:nvPr/>
+        </p:nvPicPr>
+        <p:blipFill>
+          <a:blip r:embed="rId4"/>
+          <a:stretch>
+            <a:fillRect/>
+          </a:stretch>
+        </p:blipFill>
+        <p:spPr>
+          <a:xfrm>
+            <a:off x="761726" y="4429065"/>
+            <a:ext cx="5334274" cy="2317869"/>
+          </a:xfrm>
+          <a:prstGeom prst="rect">
+            <a:avLst/>
+          </a:prstGeom>
+        </p:spPr>
+      </p:pic>
+      <p:pic>
+        <p:nvPicPr>
+          <p:cNvPr id="10" name="그림 9">
+            <a:extLst>
+              <a:ext uri="{FF2B5EF4-FFF2-40B4-BE49-F238E27FC236}">
+                <a16:creationId xmlns:a16="http://schemas.microsoft.com/office/drawing/2014/main" id="{0DB155C3-54DF-09ED-C8FE-4C9F976B6FA5}"/>
+              </a:ext>
+            </a:extLst>
+          </p:cNvPr>
+          <p:cNvPicPr>
+            <a:picLocks noChangeAspect="1"/>
+          </p:cNvPicPr>
+          <p:nvPr/>
+        </p:nvPicPr>
+        <p:blipFill>
+          <a:blip r:embed="rId5"/>
+          <a:stretch>
+            <a:fillRect/>
+          </a:stretch>
+        </p:blipFill>
+        <p:spPr>
+          <a:xfrm>
+            <a:off x="7159533" y="4321109"/>
+            <a:ext cx="3587934" cy="2425825"/>
+          </a:xfrm>
+          <a:prstGeom prst="rect">
+            <a:avLst/>
+          </a:prstGeom>
+        </p:spPr>
+      </p:pic>
+    </p:spTree>
+    <p:extLst>
+      <p:ext uri="{BB962C8B-B14F-4D97-AF65-F5344CB8AC3E}">
+        <p14:creationId xmlns:p14="http://schemas.microsoft.com/office/powerpoint/2010/main" val="887630402"/>
+      </p:ext>
+    </p:extLst>
+  </p:cSld>
+  <p:clrMapOvr>
+    <a:masterClrMapping/>
+  </p:clrMapOvr>
+</p:sld>
+</file>
+
+<file path=ppt/slides/slide8.xml><?xml version="1.0" encoding="utf-8"?>
+<p:sld xmlns:a="http://schemas.openxmlformats.org/drawingml/2006/main" xmlns:r="http://schemas.openxmlformats.org/officeDocument/2006/relationships" xmlns:p="http://schemas.openxmlformats.org/presentationml/2006/main">
+  <p:cSld>
+    <p:spTree>
+      <p:nvGrpSpPr>
+        <p:cNvPr id="1" name=""/>
+        <p:cNvGrpSpPr/>
+        <p:nvPr/>
+      </p:nvGrpSpPr>
+      <p:grpSpPr>
+        <a:xfrm>
+          <a:off x="0" y="0"/>
+          <a:ext cx="0" cy="0"/>
+          <a:chOff x="0" y="0"/>
+          <a:chExt cx="0" cy="0"/>
+        </a:xfrm>
+      </p:grpSpPr>
+      <p:sp>
+        <p:nvSpPr>
+          <p:cNvPr id="2" name="제목 1">
+            <a:extLst>
+              <a:ext uri="{FF2B5EF4-FFF2-40B4-BE49-F238E27FC236}">
+                <a16:creationId xmlns:a16="http://schemas.microsoft.com/office/drawing/2014/main" id="{C6D12A3E-5C44-35C0-57FE-2485E32526B5}"/>
+              </a:ext>
+            </a:extLst>
+          </p:cNvPr>
+          <p:cNvSpPr>
+            <a:spLocks noGrp="1"/>
+          </p:cNvSpPr>
+          <p:nvPr>
+            <p:ph type="title"/>
+          </p:nvPr>
+        </p:nvSpPr>
+        <p:spPr>
+          <a:xfrm>
+            <a:off x="698938" y="0"/>
+            <a:ext cx="9601200" cy="346841"/>
+          </a:xfrm>
+        </p:spPr>
+        <p:txBody>
+          <a:bodyPr>
+            <a:normAutofit/>
+          </a:bodyPr>
+          <a:lstStyle/>
+          <a:p>
+            <a:r>
+              <a:rPr lang="ko-KR" altLang="en-US" sz="1800" dirty="0"/>
+              <a:t>컬렉션 주의사항</a:t>
+            </a:r>
+          </a:p>
+        </p:txBody>
+      </p:sp>
+      <p:pic>
+        <p:nvPicPr>
+          <p:cNvPr id="4" name="그림 3">
+            <a:extLst>
+              <a:ext uri="{FF2B5EF4-FFF2-40B4-BE49-F238E27FC236}">
+                <a16:creationId xmlns:a16="http://schemas.microsoft.com/office/drawing/2014/main" id="{88A00BE8-D7F9-D3F4-431E-64754300069F}"/>
+              </a:ext>
+            </a:extLst>
+          </p:cNvPr>
+          <p:cNvPicPr>
+            <a:picLocks noChangeAspect="1"/>
+          </p:cNvPicPr>
+          <p:nvPr/>
+        </p:nvPicPr>
+        <p:blipFill>
+          <a:blip r:embed="rId2"/>
+          <a:stretch>
+            <a:fillRect/>
+          </a:stretch>
+        </p:blipFill>
+        <p:spPr>
+          <a:xfrm>
+            <a:off x="698938" y="346841"/>
+            <a:ext cx="3467278" cy="1981302"/>
+          </a:xfrm>
+          <a:prstGeom prst="rect">
+            <a:avLst/>
+          </a:prstGeom>
+        </p:spPr>
+      </p:pic>
+      <p:pic>
+        <p:nvPicPr>
+          <p:cNvPr id="6" name="그림 5">
+            <a:extLst>
+              <a:ext uri="{FF2B5EF4-FFF2-40B4-BE49-F238E27FC236}">
+                <a16:creationId xmlns:a16="http://schemas.microsoft.com/office/drawing/2014/main" id="{31F21266-CF8E-E254-28E2-011CB00B9600}"/>
+              </a:ext>
+            </a:extLst>
+          </p:cNvPr>
+          <p:cNvPicPr>
+            <a:picLocks noChangeAspect="1"/>
+          </p:cNvPicPr>
+          <p:nvPr/>
+        </p:nvPicPr>
+        <p:blipFill>
+          <a:blip r:embed="rId3"/>
+          <a:stretch>
+            <a:fillRect/>
+          </a:stretch>
+        </p:blipFill>
+        <p:spPr>
+          <a:xfrm>
+            <a:off x="6654681" y="346841"/>
+            <a:ext cx="4623038" cy="3638737"/>
+          </a:xfrm>
+          <a:prstGeom prst="rect">
+            <a:avLst/>
+          </a:prstGeom>
+        </p:spPr>
+      </p:pic>
+      <p:pic>
+        <p:nvPicPr>
+          <p:cNvPr id="8" name="그림 7">
+            <a:extLst>
+              <a:ext uri="{FF2B5EF4-FFF2-40B4-BE49-F238E27FC236}">
+                <a16:creationId xmlns:a16="http://schemas.microsoft.com/office/drawing/2014/main" id="{898B6054-4B34-4124-D586-8ECF2606F16A}"/>
+              </a:ext>
+            </a:extLst>
+          </p:cNvPr>
+          <p:cNvPicPr>
+            <a:picLocks noChangeAspect="1"/>
+          </p:cNvPicPr>
+          <p:nvPr/>
+        </p:nvPicPr>
+        <p:blipFill>
+          <a:blip r:embed="rId4"/>
+          <a:stretch>
+            <a:fillRect/>
+          </a:stretch>
+        </p:blipFill>
+        <p:spPr>
+          <a:xfrm>
+            <a:off x="1092104" y="3985578"/>
+            <a:ext cx="3708591" cy="2317869"/>
+          </a:xfrm>
+          <a:prstGeom prst="rect">
+            <a:avLst/>
+          </a:prstGeom>
+        </p:spPr>
+      </p:pic>
+    </p:spTree>
+    <p:extLst>
+      <p:ext uri="{BB962C8B-B14F-4D97-AF65-F5344CB8AC3E}">
+        <p14:creationId xmlns:p14="http://schemas.microsoft.com/office/powerpoint/2010/main" val="2838373328"/>
+      </p:ext>
+    </p:extLst>
+  </p:cSld>
+  <p:clrMapOvr>
+    <a:masterClrMapping/>
+  </p:clrMapOvr>
+</p:sld>
+</file>
+
+<file path=ppt/slides/slide9.xml><?xml version="1.0" encoding="utf-8"?>
+<p:sld xmlns:a="http://schemas.openxmlformats.org/drawingml/2006/main" xmlns:r="http://schemas.openxmlformats.org/officeDocument/2006/relationships" xmlns:p="http://schemas.openxmlformats.org/presentationml/2006/main">
+  <p:cSld>
+    <p:spTree>
+      <p:nvGrpSpPr>
+        <p:cNvPr id="1" name=""/>
+        <p:cNvGrpSpPr/>
+        <p:nvPr/>
+      </p:nvGrpSpPr>
+      <p:grpSpPr>
+        <a:xfrm>
+          <a:off x="0" y="0"/>
+          <a:ext cx="0" cy="0"/>
+          <a:chOff x="0" y="0"/>
+          <a:chExt cx="0" cy="0"/>
+        </a:xfrm>
+      </p:grpSpPr>
+      <p:sp>
+        <p:nvSpPr>
+          <p:cNvPr id="2" name="제목 1">
+            <a:extLst>
+              <a:ext uri="{FF2B5EF4-FFF2-40B4-BE49-F238E27FC236}">
+                <a16:creationId xmlns:a16="http://schemas.microsoft.com/office/drawing/2014/main" id="{C6D12A3E-5C44-35C0-57FE-2485E32526B5}"/>
+              </a:ext>
+            </a:extLst>
+          </p:cNvPr>
+          <p:cNvSpPr>
+            <a:spLocks noGrp="1"/>
+          </p:cNvSpPr>
+          <p:nvPr>
+            <p:ph type="title"/>
+          </p:nvPr>
+        </p:nvSpPr>
+        <p:spPr>
+          <a:xfrm>
+            <a:off x="698938" y="0"/>
+            <a:ext cx="9601200" cy="346841"/>
+          </a:xfrm>
+        </p:spPr>
+        <p:txBody>
+          <a:bodyPr>
+            <a:normAutofit/>
+          </a:bodyPr>
+          <a:lstStyle/>
+          <a:p>
+            <a:r>
+              <a:rPr lang="ko-KR" altLang="en-US" sz="1800" dirty="0"/>
+              <a:t>정리하기</a:t>
+            </a:r>
+          </a:p>
+        </p:txBody>
+      </p:sp>
+      <p:pic>
+        <p:nvPicPr>
+          <p:cNvPr id="4" name="그림 3">
+            <a:extLst>
+              <a:ext uri="{FF2B5EF4-FFF2-40B4-BE49-F238E27FC236}">
+                <a16:creationId xmlns:a16="http://schemas.microsoft.com/office/drawing/2014/main" id="{897CE25B-FE4B-CF9E-FE2A-6D601BAC55A9}"/>
+              </a:ext>
+            </a:extLst>
+          </p:cNvPr>
+          <p:cNvPicPr>
+            <a:picLocks noChangeAspect="1"/>
+          </p:cNvPicPr>
+          <p:nvPr/>
+        </p:nvPicPr>
+        <p:blipFill>
+          <a:blip r:embed="rId2"/>
+          <a:stretch>
+            <a:fillRect/>
+          </a:stretch>
+        </p:blipFill>
+        <p:spPr>
+          <a:xfrm>
+            <a:off x="3440906" y="0"/>
+            <a:ext cx="5310188" cy="6858000"/>
+          </a:xfrm>
+          <a:prstGeom prst="rect">
+            <a:avLst/>
+          </a:prstGeom>
+        </p:spPr>
+      </p:pic>
+    </p:spTree>
+    <p:extLst>
+      <p:ext uri="{BB962C8B-B14F-4D97-AF65-F5344CB8AC3E}">
+        <p14:creationId xmlns:p14="http://schemas.microsoft.com/office/powerpoint/2010/main" val="1790414804"/>
       </p:ext>
     </p:extLst>
   </p:cSld>
